--- a/DIT - Gotham WIP.pptx
+++ b/DIT - Gotham WIP.pptx
@@ -5,13 +5,14 @@
     <p:sldMasterId id="2147483648" r:id="rId4"/>
   </p:sldMasterIdLst>
   <p:notesMasterIdLst>
-    <p:notesMasterId r:id="rId9"/>
+    <p:notesMasterId r:id="rId10"/>
   </p:notesMasterIdLst>
   <p:sldIdLst>
     <p:sldId id="270" r:id="rId5"/>
     <p:sldId id="374" r:id="rId6"/>
     <p:sldId id="375" r:id="rId7"/>
-    <p:sldId id="264" r:id="rId8"/>
+    <p:sldId id="376" r:id="rId8"/>
+    <p:sldId id="264" r:id="rId9"/>
   </p:sldIdLst>
   <p:sldSz cx="12192000" cy="6858000"/>
   <p:notesSz cx="6858000" cy="9144000"/>
@@ -122,6 +123,7 @@
           <p14:sldIdLst>
             <p14:sldId id="374"/>
             <p14:sldId id="375"/>
+            <p14:sldId id="376"/>
             <p14:sldId id="264"/>
           </p14:sldIdLst>
         </p14:section>
@@ -296,7 +298,7 @@
           <a:p>
             <a:fld id="{104A8190-0A1A-E644-B72D-D027F6538E77}" type="datetimeFigureOut">
               <a:rPr lang="fr-FR" smtClean="0"/>
-              <a:t>19/11/2020</a:t>
+              <a:t>27/11/2020</a:t>
             </a:fld>
             <a:endParaRPr lang="fr-FR"/>
           </a:p>
@@ -454,7 +456,7 @@
           <a:p>
             <a:fld id="{50C4E694-4681-CE4A-A8CF-155323877C39}" type="slidenum">
               <a:rPr lang="fr-FR" smtClean="0"/>
-              <a:t>‹#›</a:t>
+              <a:t>‹N°›</a:t>
             </a:fld>
             <a:endParaRPr lang="fr-FR"/>
           </a:p>
@@ -19464,7 +19466,7 @@
             <a:fld id="{8E77ADC1-6FC9-463B-95FF-779DD7154547}" type="datetimeFigureOut">
               <a:rPr lang="fr-FR" smtClean="0"/>
               <a:pPr/>
-              <a:t>19/11/2020</a:t>
+              <a:t>27/11/2020</a:t>
             </a:fld>
             <a:endParaRPr lang="fr-FR"/>
           </a:p>
@@ -19549,7 +19551,7 @@
             <a:fld id="{6F0746BA-D1AA-4FF4-8D48-BDBC7FF48778}" type="slidenum">
               <a:rPr lang="fr-FR" smtClean="0"/>
               <a:pPr/>
-              <a:t>‹#›</a:t>
+              <a:t>‹N°›</a:t>
             </a:fld>
             <a:endParaRPr lang="fr-FR"/>
           </a:p>
@@ -21040,6 +21042,336 @@
 </file>
 
 <file path=ppt/slides/slide4.xml><?xml version="1.0" encoding="utf-8"?>
+<p:sld xmlns:a="http://schemas.openxmlformats.org/drawingml/2006/main" xmlns:r="http://schemas.openxmlformats.org/officeDocument/2006/relationships" xmlns:p="http://schemas.openxmlformats.org/presentationml/2006/main">
+  <p:cSld>
+    <p:spTree>
+      <p:nvGrpSpPr>
+        <p:cNvPr id="1" name=""/>
+        <p:cNvGrpSpPr/>
+        <p:nvPr/>
+      </p:nvGrpSpPr>
+      <p:grpSpPr>
+        <a:xfrm>
+          <a:off x="0" y="0"/>
+          <a:ext cx="0" cy="0"/>
+          <a:chOff x="0" y="0"/>
+          <a:chExt cx="0" cy="0"/>
+        </a:xfrm>
+      </p:grpSpPr>
+      <p:sp>
+        <p:nvSpPr>
+          <p:cNvPr id="4" name="ZoneTexte 3">
+            <a:extLst>
+              <a:ext uri="{FF2B5EF4-FFF2-40B4-BE49-F238E27FC236}">
+                <a16:creationId xmlns:a16="http://schemas.microsoft.com/office/drawing/2014/main" id="{511EC779-5AC2-47F8-A977-021080F73AFE}"/>
+              </a:ext>
+            </a:extLst>
+          </p:cNvPr>
+          <p:cNvSpPr txBox="1"/>
+          <p:nvPr/>
+        </p:nvSpPr>
+        <p:spPr>
+          <a:xfrm>
+            <a:off x="3047260" y="376697"/>
+            <a:ext cx="6094520" cy="6109045"/>
+          </a:xfrm>
+          <a:prstGeom prst="rect">
+            <a:avLst/>
+          </a:prstGeom>
+          <a:noFill/>
+        </p:spPr>
+        <p:txBody>
+          <a:bodyPr wrap="square">
+            <a:spAutoFit/>
+          </a:bodyPr>
+          <a:lstStyle/>
+          <a:p>
+            <a:pPr>
+              <a:lnSpc>
+                <a:spcPct val="107000"/>
+              </a:lnSpc>
+              <a:spcAft>
+                <a:spcPts val="800"/>
+              </a:spcAft>
+            </a:pPr>
+            <a:r>
+              <a:rPr lang="fr-FR" sz="1800" dirty="0">
+                <a:effectLst/>
+                <a:latin typeface="Calibri" panose="020F0502020204030204" pitchFamily="34" charset="0"/>
+                <a:ea typeface="Calibri" panose="020F0502020204030204" pitchFamily="34" charset="0"/>
+                <a:cs typeface="Times New Roman" panose="02020603050405020304" pitchFamily="18" charset="0"/>
+              </a:rPr>
+              <a:t>Les rues sont sales</a:t>
+            </a:r>
+          </a:p>
+          <a:p>
+            <a:pPr marL="342900" lvl="0" indent="-342900">
+              <a:lnSpc>
+                <a:spcPct val="107000"/>
+              </a:lnSpc>
+              <a:buFont typeface="Calibri" panose="020F0502020204030204" pitchFamily="34" charset="0"/>
+              <a:buChar char="-"/>
+            </a:pPr>
+            <a:r>
+              <a:rPr lang="fr-FR" sz="1800" dirty="0">
+                <a:effectLst/>
+                <a:latin typeface="Calibri" panose="020F0502020204030204" pitchFamily="34" charset="0"/>
+                <a:ea typeface="Calibri" panose="020F0502020204030204" pitchFamily="34" charset="0"/>
+                <a:cs typeface="Times New Roman" panose="02020603050405020304" pitchFamily="18" charset="0"/>
+              </a:rPr>
+              <a:t>Les gens jettent des déchets par terre</a:t>
+            </a:r>
+          </a:p>
+          <a:p>
+            <a:pPr marL="342900" lvl="0" indent="-342900">
+              <a:lnSpc>
+                <a:spcPct val="107000"/>
+              </a:lnSpc>
+              <a:buFont typeface="Calibri" panose="020F0502020204030204" pitchFamily="34" charset="0"/>
+              <a:buChar char="-"/>
+            </a:pPr>
+            <a:r>
+              <a:rPr lang="fr-FR" sz="1800" dirty="0">
+                <a:effectLst/>
+                <a:latin typeface="Calibri" panose="020F0502020204030204" pitchFamily="34" charset="0"/>
+                <a:ea typeface="Calibri" panose="020F0502020204030204" pitchFamily="34" charset="0"/>
+                <a:cs typeface="Times New Roman" panose="02020603050405020304" pitchFamily="18" charset="0"/>
+              </a:rPr>
+              <a:t>Les animaux errants détruisent les sacs poubelles (plus de poubelles </a:t>
+            </a:r>
+            <a:r>
+              <a:rPr lang="fr-FR" sz="1800" dirty="0" err="1">
+                <a:effectLst/>
+                <a:latin typeface="Calibri" panose="020F0502020204030204" pitchFamily="34" charset="0"/>
+                <a:ea typeface="Calibri" panose="020F0502020204030204" pitchFamily="34" charset="0"/>
+                <a:cs typeface="Times New Roman" panose="02020603050405020304" pitchFamily="18" charset="0"/>
+              </a:rPr>
+              <a:t>cf</a:t>
+            </a:r>
+            <a:r>
+              <a:rPr lang="fr-FR" sz="1800" dirty="0">
+                <a:effectLst/>
+                <a:latin typeface="Calibri" panose="020F0502020204030204" pitchFamily="34" charset="0"/>
+                <a:ea typeface="Calibri" panose="020F0502020204030204" pitchFamily="34" charset="0"/>
+                <a:cs typeface="Times New Roman" panose="02020603050405020304" pitchFamily="18" charset="0"/>
+              </a:rPr>
+              <a:t> en dessous)</a:t>
+            </a:r>
+          </a:p>
+          <a:p>
+            <a:pPr marL="342900" lvl="0" indent="-342900">
+              <a:lnSpc>
+                <a:spcPct val="107000"/>
+              </a:lnSpc>
+              <a:buFont typeface="Calibri" panose="020F0502020204030204" pitchFamily="34" charset="0"/>
+              <a:buChar char="-"/>
+            </a:pPr>
+            <a:r>
+              <a:rPr lang="fr-FR" sz="1800" dirty="0">
+                <a:effectLst/>
+                <a:latin typeface="Calibri" panose="020F0502020204030204" pitchFamily="34" charset="0"/>
+                <a:ea typeface="Calibri" panose="020F0502020204030204" pitchFamily="34" charset="0"/>
+                <a:cs typeface="Times New Roman" panose="02020603050405020304" pitchFamily="18" charset="0"/>
+              </a:rPr>
+              <a:t>Les batailles entre Batman et les « Méchants » cassent les poubelles et mettent des déchets partout</a:t>
+            </a:r>
+          </a:p>
+          <a:p>
+            <a:pPr marL="342900" lvl="0" indent="-342900">
+              <a:lnSpc>
+                <a:spcPct val="107000"/>
+              </a:lnSpc>
+              <a:buFont typeface="Calibri" panose="020F0502020204030204" pitchFamily="34" charset="0"/>
+              <a:buChar char="-"/>
+            </a:pPr>
+            <a:r>
+              <a:rPr lang="fr-FR" sz="1800" dirty="0">
+                <a:effectLst/>
+                <a:latin typeface="Calibri" panose="020F0502020204030204" pitchFamily="34" charset="0"/>
+                <a:ea typeface="Calibri" panose="020F0502020204030204" pitchFamily="34" charset="0"/>
+                <a:cs typeface="Times New Roman" panose="02020603050405020304" pitchFamily="18" charset="0"/>
+              </a:rPr>
+              <a:t>Ces mêmes animaux font leurs besoins dans les rues </a:t>
+            </a:r>
+          </a:p>
+          <a:p>
+            <a:pPr marL="342900" lvl="0" indent="-342900">
+              <a:lnSpc>
+                <a:spcPct val="107000"/>
+              </a:lnSpc>
+              <a:buFont typeface="Calibri" panose="020F0502020204030204" pitchFamily="34" charset="0"/>
+              <a:buChar char="-"/>
+            </a:pPr>
+            <a:r>
+              <a:rPr lang="fr-FR" sz="1800" dirty="0">
+                <a:effectLst/>
+                <a:latin typeface="Calibri" panose="020F0502020204030204" pitchFamily="34" charset="0"/>
+                <a:ea typeface="Calibri" panose="020F0502020204030204" pitchFamily="34" charset="0"/>
+                <a:cs typeface="Times New Roman" panose="02020603050405020304" pitchFamily="18" charset="0"/>
+              </a:rPr>
+              <a:t>Les gens possédant un animal de compagnie ne ramassent lorsqu’ils font leurs besoins</a:t>
+            </a:r>
+          </a:p>
+          <a:p>
+            <a:pPr marL="342900" lvl="0" indent="-342900">
+              <a:lnSpc>
+                <a:spcPct val="107000"/>
+              </a:lnSpc>
+              <a:buFont typeface="Calibri" panose="020F0502020204030204" pitchFamily="34" charset="0"/>
+              <a:buChar char="-"/>
+            </a:pPr>
+            <a:r>
+              <a:rPr lang="fr-FR" sz="1800" dirty="0">
+                <a:effectLst/>
+                <a:latin typeface="Calibri" panose="020F0502020204030204" pitchFamily="34" charset="0"/>
+                <a:ea typeface="Calibri" panose="020F0502020204030204" pitchFamily="34" charset="0"/>
+                <a:cs typeface="Times New Roman" panose="02020603050405020304" pitchFamily="18" charset="0"/>
+              </a:rPr>
+              <a:t>Les criminels n’ont que faire de la propreté de la ville</a:t>
+            </a:r>
+          </a:p>
+          <a:p>
+            <a:pPr marL="342900" lvl="0" indent="-342900">
+              <a:lnSpc>
+                <a:spcPct val="107000"/>
+              </a:lnSpc>
+              <a:buFont typeface="Calibri" panose="020F0502020204030204" pitchFamily="34" charset="0"/>
+              <a:buChar char="-"/>
+            </a:pPr>
+            <a:r>
+              <a:rPr lang="fr-FR" sz="1800" dirty="0">
+                <a:effectLst/>
+                <a:latin typeface="Calibri" panose="020F0502020204030204" pitchFamily="34" charset="0"/>
+                <a:ea typeface="Calibri" panose="020F0502020204030204" pitchFamily="34" charset="0"/>
+                <a:cs typeface="Times New Roman" panose="02020603050405020304" pitchFamily="18" charset="0"/>
+              </a:rPr>
+              <a:t>La pauvreté induit un manque d’éducation et donc de civilité ce qui produit plus de déchets dans les rues</a:t>
+            </a:r>
+          </a:p>
+          <a:p>
+            <a:pPr marL="342900" lvl="0" indent="-342900">
+              <a:lnSpc>
+                <a:spcPct val="107000"/>
+              </a:lnSpc>
+              <a:buFont typeface="Calibri" panose="020F0502020204030204" pitchFamily="34" charset="0"/>
+              <a:buChar char="-"/>
+            </a:pPr>
+            <a:r>
+              <a:rPr lang="fr-FR" sz="1800" dirty="0">
+                <a:effectLst/>
+                <a:latin typeface="Calibri" panose="020F0502020204030204" pitchFamily="34" charset="0"/>
+                <a:ea typeface="Calibri" panose="020F0502020204030204" pitchFamily="34" charset="0"/>
+                <a:cs typeface="Times New Roman" panose="02020603050405020304" pitchFamily="18" charset="0"/>
+              </a:rPr>
+              <a:t>Le système de ramassage des déchets actuellement mis en place est défaillant car il ne fait pas bien son travail. Ex =&gt; Les camions peuvent être attaqués par les gangs, ce qui ne donne pas envie aux employés d’y aller </a:t>
+            </a:r>
+          </a:p>
+          <a:p>
+            <a:pPr marL="342900" lvl="0" indent="-342900">
+              <a:lnSpc>
+                <a:spcPct val="107000"/>
+              </a:lnSpc>
+              <a:buFont typeface="Calibri" panose="020F0502020204030204" pitchFamily="34" charset="0"/>
+              <a:buChar char="-"/>
+            </a:pPr>
+            <a:r>
+              <a:rPr lang="fr-FR" sz="1800" dirty="0">
+                <a:effectLst/>
+                <a:latin typeface="Calibri" panose="020F0502020204030204" pitchFamily="34" charset="0"/>
+                <a:ea typeface="Calibri" panose="020F0502020204030204" pitchFamily="34" charset="0"/>
+                <a:cs typeface="Times New Roman" panose="02020603050405020304" pitchFamily="18" charset="0"/>
+              </a:rPr>
+              <a:t>Surveiller le pillage des déchets =&gt; déchets industriels, usurpation d’identité </a:t>
+            </a:r>
+            <a:r>
+              <a:rPr lang="fr-FR" sz="1800" dirty="0" err="1">
+                <a:effectLst/>
+                <a:latin typeface="Calibri" panose="020F0502020204030204" pitchFamily="34" charset="0"/>
+                <a:ea typeface="Calibri" panose="020F0502020204030204" pitchFamily="34" charset="0"/>
+                <a:cs typeface="Times New Roman" panose="02020603050405020304" pitchFamily="18" charset="0"/>
+              </a:rPr>
+              <a:t>etc</a:t>
+            </a:r>
+            <a:endParaRPr lang="fr-FR" sz="1800" dirty="0">
+              <a:effectLst/>
+              <a:latin typeface="Calibri" panose="020F0502020204030204" pitchFamily="34" charset="0"/>
+              <a:ea typeface="Calibri" panose="020F0502020204030204" pitchFamily="34" charset="0"/>
+              <a:cs typeface="Times New Roman" panose="02020603050405020304" pitchFamily="18" charset="0"/>
+            </a:endParaRPr>
+          </a:p>
+          <a:p>
+            <a:pPr marL="342900" lvl="0" indent="-342900">
+              <a:lnSpc>
+                <a:spcPct val="107000"/>
+              </a:lnSpc>
+              <a:spcAft>
+                <a:spcPts val="800"/>
+              </a:spcAft>
+              <a:buFont typeface="Wingdings" panose="05000000000000000000" pitchFamily="2" charset="2"/>
+              <a:buChar char=""/>
+            </a:pPr>
+            <a:r>
+              <a:rPr lang="fr-FR" sz="1800" dirty="0">
+                <a:effectLst/>
+                <a:latin typeface="Calibri" panose="020F0502020204030204" pitchFamily="34" charset="0"/>
+                <a:ea typeface="Calibri" panose="020F0502020204030204" pitchFamily="34" charset="0"/>
+                <a:cs typeface="Times New Roman" panose="02020603050405020304" pitchFamily="18" charset="0"/>
+              </a:rPr>
+              <a:t>Contrôler le ramassage des poubelles, le dépôt des déchets, les gens (s’ils jettent, pillent </a:t>
+            </a:r>
+            <a:r>
+              <a:rPr lang="fr-FR" sz="1800" dirty="0" err="1">
+                <a:effectLst/>
+                <a:latin typeface="Calibri" panose="020F0502020204030204" pitchFamily="34" charset="0"/>
+                <a:ea typeface="Calibri" panose="020F0502020204030204" pitchFamily="34" charset="0"/>
+                <a:cs typeface="Times New Roman" panose="02020603050405020304" pitchFamily="18" charset="0"/>
+              </a:rPr>
+              <a:t>etc</a:t>
+            </a:r>
+            <a:r>
+              <a:rPr lang="fr-FR" sz="1800" dirty="0">
+                <a:effectLst/>
+                <a:latin typeface="Calibri" panose="020F0502020204030204" pitchFamily="34" charset="0"/>
+                <a:ea typeface="Calibri" panose="020F0502020204030204" pitchFamily="34" charset="0"/>
+                <a:cs typeface="Times New Roman" panose="02020603050405020304" pitchFamily="18" charset="0"/>
+              </a:rPr>
+              <a:t>), les </a:t>
+            </a:r>
+            <a:r>
+              <a:rPr lang="fr-FR" sz="1800" dirty="0" err="1">
+                <a:effectLst/>
+                <a:latin typeface="Calibri" panose="020F0502020204030204" pitchFamily="34" charset="0"/>
+                <a:ea typeface="Calibri" panose="020F0502020204030204" pitchFamily="34" charset="0"/>
+                <a:cs typeface="Times New Roman" panose="02020603050405020304" pitchFamily="18" charset="0"/>
+              </a:rPr>
+              <a:t>anmaux</a:t>
+            </a:r>
+            <a:r>
+              <a:rPr lang="fr-FR" sz="1800" dirty="0">
+                <a:effectLst/>
+                <a:latin typeface="Calibri" panose="020F0502020204030204" pitchFamily="34" charset="0"/>
+                <a:ea typeface="Calibri" panose="020F0502020204030204" pitchFamily="34" charset="0"/>
+                <a:cs typeface="Times New Roman" panose="02020603050405020304" pitchFamily="18" charset="0"/>
+              </a:rPr>
+              <a:t>, et Batman</a:t>
+            </a:r>
+          </a:p>
+        </p:txBody>
+      </p:sp>
+    </p:spTree>
+    <p:extLst>
+      <p:ext uri="{BB962C8B-B14F-4D97-AF65-F5344CB8AC3E}">
+        <p14:creationId xmlns:p14="http://schemas.microsoft.com/office/powerpoint/2010/main" val="1106269787"/>
+      </p:ext>
+    </p:extLst>
+  </p:cSld>
+  <p:clrMapOvr>
+    <a:masterClrMapping/>
+  </p:clrMapOvr>
+</p:sld>
+</file>
+
+<file path=ppt/slides/slide5.xml><?xml version="1.0" encoding="utf-8"?>
 <p:sld xmlns:a="http://schemas.openxmlformats.org/drawingml/2006/main" xmlns:r="http://schemas.openxmlformats.org/officeDocument/2006/relationships" xmlns:p="http://schemas.openxmlformats.org/presentationml/2006/main" show="0">
   <p:cSld>
     <p:bg>
@@ -22671,6 +23003,21 @@
 </file>
 
 <file path=customXml/item1.xml><?xml version="1.0" encoding="utf-8"?>
+<?mso-contentType ?>
+<FormTemplates xmlns="http://schemas.microsoft.com/sharepoint/v3/contenttype/forms">
+  <Display>DocumentLibraryForm</Display>
+  <Edit>DocumentLibraryForm</Edit>
+  <New>DocumentLibraryForm</New>
+</FormTemplates>
+</file>
+
+<file path=customXml/item2.xml><?xml version="1.0" encoding="utf-8"?>
+<p:properties xmlns:p="http://schemas.microsoft.com/office/2006/metadata/properties" xmlns:xsi="http://www.w3.org/2001/XMLSchema-instance" xmlns:pc="http://schemas.microsoft.com/office/infopath/2007/PartnerControls">
+  <documentManagement/>
+</p:properties>
+</file>
+
+<file path=customXml/item3.xml><?xml version="1.0" encoding="utf-8"?>
 <ct:contentTypeSchema xmlns:ct="http://schemas.microsoft.com/office/2006/metadata/contentType" xmlns:ma="http://schemas.microsoft.com/office/2006/metadata/properties/metaAttributes" ct:_="" ma:_="" ma:contentTypeName="Document" ma:contentTypeID="0x01010005FA520563873D4EB8CBD5344A351BEB" ma:contentTypeVersion="0" ma:contentTypeDescription="Crée un document." ma:contentTypeScope="" ma:versionID="005ce72954985de94fc750614f2007cc">
   <xsd:schema xmlns:xsd="http://www.w3.org/2001/XMLSchema" xmlns:xs="http://www.w3.org/2001/XMLSchema" xmlns:p="http://schemas.microsoft.com/office/2006/metadata/properties" targetNamespace="http://schemas.microsoft.com/office/2006/metadata/properties" ma:root="true" ma:fieldsID="36883d0f3030e52908f9a4448a35c02a">
     <xsd:element name="properties">
@@ -22784,22 +23131,30 @@
 </ct:contentTypeSchema>
 </file>
 
-<file path=customXml/item2.xml><?xml version="1.0" encoding="utf-8"?>
-<?mso-contentType ?>
-<FormTemplates xmlns="http://schemas.microsoft.com/sharepoint/v3/contenttype/forms">
-  <Display>DocumentLibraryForm</Display>
-  <Edit>DocumentLibraryForm</Edit>
-  <New>DocumentLibraryForm</New>
-</FormTemplates>
+<file path=customXml/itemProps1.xml><?xml version="1.0" encoding="utf-8"?>
+<ds:datastoreItem xmlns:ds="http://schemas.openxmlformats.org/officeDocument/2006/customXml" ds:itemID="{95457E87-E546-449E-A4D1-371201992E58}">
+  <ds:schemaRefs>
+    <ds:schemaRef ds:uri="http://schemas.microsoft.com/sharepoint/v3/contenttype/forms"/>
+  </ds:schemaRefs>
+</ds:datastoreItem>
 </file>
 
-<file path=customXml/item3.xml><?xml version="1.0" encoding="utf-8"?>
-<p:properties xmlns:p="http://schemas.microsoft.com/office/2006/metadata/properties" xmlns:xsi="http://www.w3.org/2001/XMLSchema-instance" xmlns:pc="http://schemas.microsoft.com/office/infopath/2007/PartnerControls">
-  <documentManagement/>
-</p:properties>
+<file path=customXml/itemProps2.xml><?xml version="1.0" encoding="utf-8"?>
+<ds:datastoreItem xmlns:ds="http://schemas.openxmlformats.org/officeDocument/2006/customXml" ds:itemID="{88BF5EC3-CBCF-41C7-846F-A9B4B81CCEA8}">
+  <ds:schemaRefs>
+    <ds:schemaRef ds:uri="http://purl.org/dc/dcmitype/"/>
+    <ds:schemaRef ds:uri="http://purl.org/dc/elements/1.1/"/>
+    <ds:schemaRef ds:uri="http://purl.org/dc/terms/"/>
+    <ds:schemaRef ds:uri="http://schemas.microsoft.com/office/2006/documentManagement/types"/>
+    <ds:schemaRef ds:uri="http://schemas.microsoft.com/office/2006/metadata/properties"/>
+    <ds:schemaRef ds:uri="http://schemas.microsoft.com/office/infopath/2007/PartnerControls"/>
+    <ds:schemaRef ds:uri="http://schemas.openxmlformats.org/package/2006/metadata/core-properties"/>
+    <ds:schemaRef ds:uri="http://www.w3.org/XML/1998/namespace"/>
+  </ds:schemaRefs>
+</ds:datastoreItem>
 </file>
 
-<file path=customXml/itemProps1.xml><?xml version="1.0" encoding="utf-8"?>
+<file path=customXml/itemProps3.xml><?xml version="1.0" encoding="utf-8"?>
 <ds:datastoreItem xmlns:ds="http://schemas.openxmlformats.org/officeDocument/2006/customXml" ds:itemID="{FF14EDAB-351E-4851-B148-260C81C296AA}">
   <ds:schemaRefs>
     <ds:schemaRef ds:uri="http://purl.org/dc/elements/1.1/"/>
@@ -22813,27 +23168,4 @@
     <ds:schemaRef ds:uri="http://www.w3.org/2001/XMLSchema"/>
   </ds:schemaRefs>
 </ds:datastoreItem>
-</file>
-
-<file path=customXml/itemProps2.xml><?xml version="1.0" encoding="utf-8"?>
-<ds:datastoreItem xmlns:ds="http://schemas.openxmlformats.org/officeDocument/2006/customXml" ds:itemID="{95457E87-E546-449E-A4D1-371201992E58}">
-  <ds:schemaRefs>
-    <ds:schemaRef ds:uri="http://schemas.microsoft.com/sharepoint/v3/contenttype/forms"/>
-  </ds:schemaRefs>
-</ds:datastoreItem>
-</file>
-
-<file path=customXml/itemProps3.xml><?xml version="1.0" encoding="utf-8"?>
-<ds:datastoreItem xmlns:ds="http://schemas.openxmlformats.org/officeDocument/2006/customXml" ds:itemID="{88BF5EC3-CBCF-41C7-846F-A9B4B81CCEA8}">
-  <ds:schemaRefs>
-    <ds:schemaRef ds:uri="http://purl.org/dc/dcmitype/"/>
-    <ds:schemaRef ds:uri="http://purl.org/dc/elements/1.1/"/>
-    <ds:schemaRef ds:uri="http://purl.org/dc/terms/"/>
-    <ds:schemaRef ds:uri="http://schemas.microsoft.com/office/2006/documentManagement/types"/>
-    <ds:schemaRef ds:uri="http://schemas.microsoft.com/office/2006/metadata/properties"/>
-    <ds:schemaRef ds:uri="http://schemas.microsoft.com/office/infopath/2007/PartnerControls"/>
-    <ds:schemaRef ds:uri="http://schemas.openxmlformats.org/package/2006/metadata/core-properties"/>
-    <ds:schemaRef ds:uri="http://www.w3.org/XML/1998/namespace"/>
-  </ds:schemaRefs>
-</ds:datastoreItem>
 </file>